--- a/skiplist.pptx
+++ b/skiplist.pptx
@@ -122,12 +122,33 @@
 </p:presentation>
 </file>
 
-<file path=ppt/revisionInfo.xml><?xml version="1.0" encoding="utf-8"?>
-<p1510:revInfo xmlns:a="http://schemas.openxmlformats.org/drawingml/2006/main" xmlns:r="http://schemas.openxmlformats.org/officeDocument/2006/relationships" xmlns:p1510="http://schemas.microsoft.com/office/powerpoint/2015/10/main">
-  <p1510:revLst>
-    <p1510:client id="{67F6D91D-FBC8-4A19-BAEC-870A79845AA5}" v="833" dt="2024-05-09T16:51:59.674"/>
-  </p1510:revLst>
-</p1510:revInfo>
+<file path=ppt/changesInfos/changesInfo1.xml><?xml version="1.0" encoding="utf-8"?>
+<pc:chgInfo xmlns:a="http://schemas.openxmlformats.org/drawingml/2006/main" xmlns:r="http://schemas.openxmlformats.org/officeDocument/2006/relationships" xmlns:ac="http://schemas.microsoft.com/office/drawing/2013/main/command" xmlns:pc="http://schemas.microsoft.com/office/powerpoint/2013/main/command">
+  <pc:docChgLst>
+    <pc:chgData name="Kesavram V S" userId="e2a0f174-f174-4f86-9929-d335bf991410" providerId="ADAL" clId="{727AE432-B7E5-45FF-A9A4-B53570D2381A}"/>
+    <pc:docChg chg="custSel modSld">
+      <pc:chgData name="Kesavram V S" userId="e2a0f174-f174-4f86-9929-d335bf991410" providerId="ADAL" clId="{727AE432-B7E5-45FF-A9A4-B53570D2381A}" dt="2024-05-11T10:55:56.134" v="0" actId="478"/>
+      <pc:docMkLst>
+        <pc:docMk/>
+      </pc:docMkLst>
+      <pc:sldChg chg="delSp mod">
+        <pc:chgData name="Kesavram V S" userId="e2a0f174-f174-4f86-9929-d335bf991410" providerId="ADAL" clId="{727AE432-B7E5-45FF-A9A4-B53570D2381A}" dt="2024-05-11T10:55:56.134" v="0" actId="478"/>
+        <pc:sldMkLst>
+          <pc:docMk/>
+          <pc:sldMk cId="0" sldId="263"/>
+        </pc:sldMkLst>
+        <pc:picChg chg="del">
+          <ac:chgData name="Kesavram V S" userId="e2a0f174-f174-4f86-9929-d335bf991410" providerId="ADAL" clId="{727AE432-B7E5-45FF-A9A4-B53570D2381A}" dt="2024-05-11T10:55:56.134" v="0" actId="478"/>
+          <ac:picMkLst>
+            <pc:docMk/>
+            <pc:sldMk cId="0" sldId="263"/>
+            <ac:picMk id="17" creationId="{00000000-0000-0000-0000-000000000000}"/>
+          </ac:picMkLst>
+        </pc:picChg>
+      </pc:sldChg>
+    </pc:docChg>
+  </pc:docChgLst>
+</pc:chgInfo>
 </file>
 
 <file path=ppt/notesMasters/notesMaster1.xml><?xml version="1.0" encoding="utf-8"?>
@@ -211,7 +232,7 @@
           </a:lstStyle>
           <a:p>
             <a:fld id="{3041ABA7-E104-4599-B943-EBF3CD458356}" type="datetimeFigureOut">
-              <a:t>09/05/2024</a:t>
+              <a:t>5/11/2024</a:t>
             </a:fld>
             <a:endParaRPr lang="en-GB"/>
           </a:p>
@@ -710,7 +731,7 @@
           <a:p>
             <a:fld id="{F7021451-1387-4CA6-816F-3879F97B5CBC}" type="slidenum">
               <a:rPr lang="en-US"/>
-              <a:t>3</a:t>
+              <a:t>4</a:t>
             </a:fld>
             <a:endParaRPr lang="en-US"/>
           </a:p>
@@ -794,7 +815,7 @@
           <a:p>
             <a:fld id="{F7021451-1387-4CA6-816F-3879F97B5CBC}" type="slidenum">
               <a:rPr lang="en-US"/>
-              <a:t>4</a:t>
+              <a:t>5</a:t>
             </a:fld>
             <a:endParaRPr lang="en-US"/>
           </a:p>
@@ -1581,6 +1602,13 @@
           </a:solidFill>
           <a:ln/>
         </p:spPr>
+        <p:txBody>
+          <a:bodyPr/>
+          <a:lstStyle/>
+          <a:p>
+            <a:endParaRPr lang="en-IN"/>
+          </a:p>
+        </p:txBody>
       </p:sp>
       <p:sp>
         <p:nvSpPr>
@@ -1715,6 +1743,13 @@
           </a:solidFill>
           <a:ln/>
         </p:spPr>
+        <p:txBody>
+          <a:bodyPr/>
+          <a:lstStyle/>
+          <a:p>
+            <a:endParaRPr lang="en-IN"/>
+          </a:p>
+        </p:txBody>
       </p:sp>
       <p:sp>
         <p:nvSpPr>
@@ -2068,6 +2103,13 @@
           </a:solidFill>
           <a:ln/>
         </p:spPr>
+        <p:txBody>
+          <a:bodyPr/>
+          <a:lstStyle/>
+          <a:p>
+            <a:endParaRPr lang="en-IN"/>
+          </a:p>
+        </p:txBody>
       </p:sp>
       <p:sp>
         <p:nvSpPr>
@@ -2315,6 +2357,13 @@
           </a:solidFill>
           <a:ln/>
         </p:spPr>
+        <p:txBody>
+          <a:bodyPr/>
+          <a:lstStyle/>
+          <a:p>
+            <a:endParaRPr lang="en-IN"/>
+          </a:p>
+        </p:txBody>
       </p:sp>
       <p:sp>
         <p:nvSpPr>
@@ -2554,6 +2603,13 @@
           </a:solidFill>
           <a:ln/>
         </p:spPr>
+        <p:txBody>
+          <a:bodyPr/>
+          <a:lstStyle/>
+          <a:p>
+            <a:endParaRPr lang="en-IN"/>
+          </a:p>
+        </p:txBody>
       </p:sp>
       <p:sp>
         <p:nvSpPr>
@@ -2814,6 +2870,13 @@
           </a:solidFill>
           <a:ln/>
         </p:spPr>
+        <p:txBody>
+          <a:bodyPr/>
+          <a:lstStyle/>
+          <a:p>
+            <a:endParaRPr lang="en-IN"/>
+          </a:p>
+        </p:txBody>
       </p:sp>
       <p:sp>
         <p:nvSpPr>
@@ -3177,6 +3240,13 @@
           </a:solidFill>
           <a:ln/>
         </p:spPr>
+        <p:txBody>
+          <a:bodyPr/>
+          <a:lstStyle/>
+          <a:p>
+            <a:endParaRPr lang="en-IN"/>
+          </a:p>
+        </p:txBody>
       </p:sp>
       <p:sp>
         <p:nvSpPr>
@@ -3399,6 +3469,13 @@
           </a:solidFill>
           <a:ln/>
         </p:spPr>
+        <p:txBody>
+          <a:bodyPr/>
+          <a:lstStyle/>
+          <a:p>
+            <a:endParaRPr lang="en-IN"/>
+          </a:p>
+        </p:txBody>
       </p:sp>
       <p:sp>
         <p:nvSpPr>
@@ -3771,6 +3848,13 @@
           </a:solidFill>
           <a:ln/>
         </p:spPr>
+        <p:txBody>
+          <a:bodyPr/>
+          <a:lstStyle/>
+          <a:p>
+            <a:endParaRPr lang="en-IN"/>
+          </a:p>
+        </p:txBody>
       </p:sp>
       <p:sp>
         <p:nvSpPr>
@@ -4173,32 +4257,6 @@
           </a:p>
         </p:txBody>
       </p:sp>
-      <p:pic>
-        <p:nvPicPr>
-          <p:cNvPr id="17" name="Image 0" descr="preencoded.png">
-            <a:hlinkClick r:id="rId3"/>
-          </p:cNvPr>
-          <p:cNvPicPr>
-            <a:picLocks noChangeAspect="1"/>
-          </p:cNvPicPr>
-          <p:nvPr/>
-        </p:nvPicPr>
-        <p:blipFill>
-          <a:blip r:embed="rId4"/>
-          <a:stretch>
-            <a:fillRect/>
-          </a:stretch>
-        </p:blipFill>
-        <p:spPr>
-          <a:xfrm>
-            <a:off x="12242153" y="7589520"/>
-            <a:ext cx="2296807" cy="548640"/>
-          </a:xfrm>
-          <a:prstGeom prst="rect">
-            <a:avLst/>
-          </a:prstGeom>
-        </p:spPr>
-      </p:pic>
     </p:spTree>
   </p:cSld>
   <p:clrMapOvr>
@@ -4243,6 +4301,13 @@
           </a:solidFill>
           <a:ln/>
         </p:spPr>
+        <p:txBody>
+          <a:bodyPr/>
+          <a:lstStyle/>
+          <a:p>
+            <a:endParaRPr lang="en-IN"/>
+          </a:p>
+        </p:txBody>
       </p:sp>
       <p:sp>
         <p:nvSpPr>
